--- a/Day3/CSSWEBDEVwithGagan.pptx
+++ b/Day3/CSSWEBDEVwithGagan.pptx
@@ -20,8 +20,8 @@
     <p:sldId id="316" r:id="rId11"/>
     <p:sldId id="269" r:id="rId12"/>
     <p:sldId id="317" r:id="rId13"/>
-    <p:sldId id="270" r:id="rId14"/>
-    <p:sldId id="271" r:id="rId15"/>
+    <p:sldId id="271" r:id="rId14"/>
+    <p:sldId id="270" r:id="rId15"/>
     <p:sldId id="280" r:id="rId16"/>
     <p:sldId id="275" r:id="rId17"/>
     <p:sldId id="281" r:id="rId18"/>
@@ -32,27 +32,27 @@
   <p:notesSz cx="6858000" cy="9144000"/>
   <p:embeddedFontLst>
     <p:embeddedFont>
-      <p:font typeface="Lato" charset="0"/>
+      <p:font typeface="Raleway" charset="0"/>
       <p:regular r:id="rId22"/>
       <p:bold r:id="rId23"/>
       <p:italic r:id="rId24"/>
       <p:boldItalic r:id="rId25"/>
     </p:embeddedFont>
     <p:embeddedFont>
-      <p:font typeface="Matura MT Script Capitals" pitchFamily="66" charset="0"/>
-      <p:regular r:id="rId26"/>
+      <p:font typeface="Raleway ExtraBold" charset="0"/>
+      <p:bold r:id="rId26"/>
+      <p:boldItalic r:id="rId27"/>
     </p:embeddedFont>
     <p:embeddedFont>
-      <p:font typeface="Raleway ExtraBold" charset="0"/>
-      <p:bold r:id="rId27"/>
-      <p:boldItalic r:id="rId28"/>
+      <p:font typeface="Lato" charset="0"/>
+      <p:regular r:id="rId28"/>
+      <p:bold r:id="rId29"/>
+      <p:italic r:id="rId30"/>
+      <p:boldItalic r:id="rId31"/>
     </p:embeddedFont>
     <p:embeddedFont>
-      <p:font typeface="Palatino Linotype" pitchFamily="18" charset="0"/>
-      <p:regular r:id="rId29"/>
-      <p:bold r:id="rId30"/>
-      <p:italic r:id="rId31"/>
-      <p:boldItalic r:id="rId32"/>
+      <p:font typeface="Arial Black" pitchFamily="34" charset="0"/>
+      <p:bold r:id="rId32"/>
     </p:embeddedFont>
     <p:embeddedFont>
       <p:font typeface="Raleway SemiBold" charset="0"/>
@@ -62,11 +62,15 @@
       <p:boldItalic r:id="rId36"/>
     </p:embeddedFont>
     <p:embeddedFont>
-      <p:font typeface="Raleway" charset="0"/>
+      <p:font typeface="Palatino Linotype" pitchFamily="18" charset="0"/>
       <p:regular r:id="rId37"/>
       <p:bold r:id="rId38"/>
       <p:italic r:id="rId39"/>
       <p:boldItalic r:id="rId40"/>
+    </p:embeddedFont>
+    <p:embeddedFont>
+      <p:font typeface="Matura MT Script Capitals" pitchFamily="66" charset="0"/>
+      <p:regular r:id="rId41"/>
     </p:embeddedFont>
   </p:embeddedFontLst>
   <p:defaultTextStyle>
@@ -300,7 +304,7 @@
   </p:defaultTextStyle>
   <p:extLst>
     <p:ext uri="{EFAFB233-063F-42B5-8137-9DF3F51BA10A}">
-      <p15:sldGuideLst xmlns:p15="http://schemas.microsoft.com/office/powerpoint/2012/main" xmlns:p14="http://schemas.microsoft.com/office/powerpoint/2010/main" xmlns:com="http://schemas.openxmlformats.org/drawingml/2006/compatibility" xmlns:pvml="urn:schemas-microsoft-com:office:powerpoint" xmlns:v="urn:schemas-microsoft-com:vml" xmlns:o="urn:schemas-microsoft-com:office:office" xmlns:dgm="http://schemas.openxmlformats.org/drawingml/2006/diagram" xmlns:c="http://schemas.openxmlformats.org/drawingml/2006/chart" xmlns:mv="urn:schemas-microsoft-com:mac:vml" xmlns:mc="http://schemas.openxmlformats.org/markup-compatibility/2006" xmlns="">
+      <p15:sldGuideLst xmlns="" xmlns:mc="http://schemas.openxmlformats.org/markup-compatibility/2006" xmlns:mv="urn:schemas-microsoft-com:mac:vml" xmlns:c="http://schemas.openxmlformats.org/drawingml/2006/chart" xmlns:dgm="http://schemas.openxmlformats.org/drawingml/2006/diagram" xmlns:o="urn:schemas-microsoft-com:office:office" xmlns:v="urn:schemas-microsoft-com:vml" xmlns:pvml="urn:schemas-microsoft-com:office:powerpoint" xmlns:com="http://schemas.openxmlformats.org/drawingml/2006/compatibility" xmlns:p14="http://schemas.microsoft.com/office/powerpoint/2010/main" xmlns:p15="http://schemas.microsoft.com/office/powerpoint/2012/main">
         <p15:guide id="1" orient="horz" pos="1620">
           <p15:clr>
             <a:srgbClr val="A4A3A4"/>
@@ -8476,543 +8480,6 @@
   <p:cSld>
     <p:spTree>
       <p:nvGrpSpPr>
-        <p:cNvPr id="1" name=""/>
-        <p:cNvGrpSpPr/>
-        <p:nvPr/>
-      </p:nvGrpSpPr>
-      <p:grpSpPr>
-        <a:xfrm>
-          <a:off x="0" y="0"/>
-          <a:ext cx="0" cy="0"/>
-          <a:chOff x="0" y="0"/>
-          <a:chExt cx="0" cy="0"/>
-        </a:xfrm>
-      </p:grpSpPr>
-      <p:sp>
-        <p:nvSpPr>
-          <p:cNvPr id="3" name="Google Shape;131;p20"/>
-          <p:cNvSpPr txBox="1"/>
-          <p:nvPr/>
-        </p:nvSpPr>
-        <p:spPr>
-          <a:xfrm>
-            <a:off x="473940" y="1109225"/>
-            <a:ext cx="4572000" cy="3831075"/>
-          </a:xfrm>
-          <a:prstGeom prst="rect">
-            <a:avLst/>
-          </a:prstGeom>
-          <a:noFill/>
-          <a:ln>
-            <a:noFill/>
-          </a:ln>
-        </p:spPr>
-        <p:txBody>
-          <a:bodyPr spcFirstLastPara="1" wrap="square" lIns="91425" tIns="91425" rIns="91425" bIns="91425" anchor="t" anchorCtr="0">
-            <a:noAutofit/>
-          </a:bodyPr>
-          <a:lstStyle/>
-          <a:p>
-            <a:pPr marL="457200" lvl="0" indent="-457200" rtl="0">
-              <a:spcBef>
-                <a:spcPts val="0"/>
-              </a:spcBef>
-              <a:spcAft>
-                <a:spcPts val="0"/>
-              </a:spcAft>
-              <a:buFont typeface="Arial" pitchFamily="34" charset="0"/>
-              <a:buChar char="•"/>
-            </a:pPr>
-            <a:r>
-              <a:rPr lang="en-US" sz="2800" b="1" dirty="0" smtClean="0">
-                <a:solidFill>
-                  <a:srgbClr val="FFFFFF"/>
-                </a:solidFill>
-                <a:latin typeface="Raleway SemiBold"/>
-                <a:ea typeface="Raleway SemiBold"/>
-                <a:cs typeface="Raleway SemiBold"/>
-                <a:sym typeface="Raleway SemiBold"/>
-              </a:rPr>
-              <a:t>Bold</a:t>
-            </a:r>
-          </a:p>
-          <a:p>
-            <a:pPr marL="457200" lvl="0" indent="-457200" rtl="0">
-              <a:spcBef>
-                <a:spcPts val="0"/>
-              </a:spcBef>
-              <a:spcAft>
-                <a:spcPts val="0"/>
-              </a:spcAft>
-              <a:buFont typeface="Arial" pitchFamily="34" charset="0"/>
-              <a:buChar char="•"/>
-            </a:pPr>
-            <a:r>
-              <a:rPr lang="en-US" sz="2800" b="1" dirty="0" smtClean="0">
-                <a:solidFill>
-                  <a:srgbClr val="FFFFFF"/>
-                </a:solidFill>
-                <a:latin typeface="Raleway SemiBold"/>
-                <a:ea typeface="Raleway SemiBold"/>
-                <a:cs typeface="Raleway SemiBold"/>
-                <a:sym typeface="Raleway SemiBold"/>
-              </a:rPr>
-              <a:t>Italic</a:t>
-            </a:r>
-          </a:p>
-          <a:p>
-            <a:pPr marL="457200" lvl="0" indent="-457200" rtl="0">
-              <a:spcBef>
-                <a:spcPts val="0"/>
-              </a:spcBef>
-              <a:spcAft>
-                <a:spcPts val="0"/>
-              </a:spcAft>
-              <a:buFont typeface="Arial" pitchFamily="34" charset="0"/>
-              <a:buChar char="•"/>
-            </a:pPr>
-            <a:r>
-              <a:rPr lang="en-US" sz="2800" b="1" dirty="0" smtClean="0">
-                <a:solidFill>
-                  <a:srgbClr val="FFFFFF"/>
-                </a:solidFill>
-                <a:latin typeface="Raleway SemiBold"/>
-                <a:ea typeface="Raleway SemiBold"/>
-                <a:cs typeface="Raleway SemiBold"/>
-                <a:sym typeface="Raleway SemiBold"/>
-              </a:rPr>
-              <a:t>Deleted</a:t>
-            </a:r>
-          </a:p>
-          <a:p>
-            <a:pPr marL="457200" lvl="0" indent="-457200" rtl="0">
-              <a:spcBef>
-                <a:spcPts val="0"/>
-              </a:spcBef>
-              <a:spcAft>
-                <a:spcPts val="0"/>
-              </a:spcAft>
-              <a:buFont typeface="Arial" pitchFamily="34" charset="0"/>
-              <a:buChar char="•"/>
-            </a:pPr>
-            <a:r>
-              <a:rPr lang="en-US" sz="2800" b="1" dirty="0" smtClean="0">
-                <a:solidFill>
-                  <a:srgbClr val="FFFFFF"/>
-                </a:solidFill>
-                <a:latin typeface="Raleway SemiBold"/>
-                <a:ea typeface="Raleway SemiBold"/>
-                <a:cs typeface="Raleway SemiBold"/>
-                <a:sym typeface="Raleway SemiBold"/>
-              </a:rPr>
-              <a:t>Marked</a:t>
-            </a:r>
-          </a:p>
-          <a:p>
-            <a:pPr marL="457200" lvl="0" indent="-457200" rtl="0">
-              <a:spcBef>
-                <a:spcPts val="0"/>
-              </a:spcBef>
-              <a:spcAft>
-                <a:spcPts val="0"/>
-              </a:spcAft>
-              <a:buFont typeface="Arial" pitchFamily="34" charset="0"/>
-              <a:buChar char="•"/>
-            </a:pPr>
-            <a:r>
-              <a:rPr lang="en-US" sz="2800" b="1" dirty="0" smtClean="0">
-                <a:solidFill>
-                  <a:srgbClr val="FFFFFF"/>
-                </a:solidFill>
-                <a:latin typeface="Raleway SemiBold"/>
-                <a:ea typeface="Raleway SemiBold"/>
-                <a:cs typeface="Raleway SemiBold"/>
-                <a:sym typeface="Raleway SemiBold"/>
-              </a:rPr>
-              <a:t>Subscript</a:t>
-            </a:r>
-          </a:p>
-          <a:p>
-            <a:pPr marL="457200" lvl="0" indent="-457200" rtl="0">
-              <a:spcBef>
-                <a:spcPts val="0"/>
-              </a:spcBef>
-              <a:spcAft>
-                <a:spcPts val="0"/>
-              </a:spcAft>
-              <a:buFont typeface="Arial" pitchFamily="34" charset="0"/>
-              <a:buChar char="•"/>
-            </a:pPr>
-            <a:r>
-              <a:rPr lang="en-US" sz="2800" b="1" dirty="0" smtClean="0">
-                <a:solidFill>
-                  <a:srgbClr val="FFFFFF"/>
-                </a:solidFill>
-                <a:latin typeface="Raleway SemiBold"/>
-                <a:ea typeface="Raleway SemiBold"/>
-                <a:cs typeface="Raleway SemiBold"/>
-                <a:sym typeface="Raleway SemiBold"/>
-              </a:rPr>
-              <a:t>Superscript</a:t>
-            </a:r>
-          </a:p>
-          <a:p>
-            <a:pPr marL="457200" lvl="0" indent="-457200" rtl="0">
-              <a:spcBef>
-                <a:spcPts val="0"/>
-              </a:spcBef>
-              <a:spcAft>
-                <a:spcPts val="0"/>
-              </a:spcAft>
-              <a:buFont typeface="Arial" pitchFamily="34" charset="0"/>
-              <a:buChar char="•"/>
-            </a:pPr>
-            <a:r>
-              <a:rPr lang="en-US" sz="2800" b="1" dirty="0" smtClean="0">
-                <a:solidFill>
-                  <a:srgbClr val="FFFFFF"/>
-                </a:solidFill>
-                <a:latin typeface="Raleway SemiBold"/>
-                <a:ea typeface="Raleway SemiBold"/>
-                <a:cs typeface="Raleway SemiBold"/>
-                <a:sym typeface="Raleway SemiBold"/>
-              </a:rPr>
-              <a:t>Code</a:t>
-            </a:r>
-          </a:p>
-          <a:p>
-            <a:pPr marL="457200" lvl="0" indent="-457200" rtl="0">
-              <a:spcBef>
-                <a:spcPts val="0"/>
-              </a:spcBef>
-              <a:spcAft>
-                <a:spcPts val="0"/>
-              </a:spcAft>
-              <a:buFont typeface="Arial" pitchFamily="34" charset="0"/>
-              <a:buChar char="•"/>
-            </a:pPr>
-            <a:r>
-              <a:rPr lang="en-US" sz="2800" b="1" dirty="0" smtClean="0">
-                <a:solidFill>
-                  <a:srgbClr val="FFFFFF"/>
-                </a:solidFill>
-                <a:latin typeface="Raleway SemiBold"/>
-                <a:ea typeface="Raleway SemiBold"/>
-                <a:cs typeface="Raleway SemiBold"/>
-                <a:sym typeface="Raleway SemiBold"/>
-              </a:rPr>
-              <a:t>Underline</a:t>
-            </a:r>
-          </a:p>
-          <a:p>
-            <a:pPr lvl="0" rtl="0">
-              <a:spcBef>
-                <a:spcPts val="0"/>
-              </a:spcBef>
-              <a:spcAft>
-                <a:spcPts val="0"/>
-              </a:spcAft>
-            </a:pPr>
-            <a:endParaRPr sz="2800" b="1" dirty="0">
-              <a:solidFill>
-                <a:srgbClr val="FFFFFF"/>
-              </a:solidFill>
-              <a:latin typeface="Raleway SemiBold"/>
-              <a:ea typeface="Raleway SemiBold"/>
-              <a:cs typeface="Raleway SemiBold"/>
-              <a:sym typeface="Raleway SemiBold"/>
-            </a:endParaRPr>
-          </a:p>
-        </p:txBody>
-      </p:sp>
-      <p:sp>
-        <p:nvSpPr>
-          <p:cNvPr id="4" name="Google Shape;93;p16"/>
-          <p:cNvSpPr txBox="1">
-            <a:spLocks/>
-          </p:cNvSpPr>
-          <p:nvPr/>
-        </p:nvSpPr>
-        <p:spPr>
-          <a:xfrm>
-            <a:off x="283100" y="178750"/>
-            <a:ext cx="8631600" cy="3835500"/>
-          </a:xfrm>
-          <a:prstGeom prst="rect">
-            <a:avLst/>
-          </a:prstGeom>
-        </p:spPr>
-        <p:txBody>
-          <a:bodyPr spcFirstLastPara="1" wrap="square" lIns="91425" tIns="91425" rIns="91425" bIns="91425" anchor="t" anchorCtr="0">
-            <a:noAutofit/>
-          </a:bodyPr>
-          <a:lstStyle>
-            <a:defPPr marR="0" lvl="0" algn="l" rtl="0">
-              <a:lnSpc>
-                <a:spcPct val="100000"/>
-              </a:lnSpc>
-              <a:spcBef>
-                <a:spcPts val="0"/>
-              </a:spcBef>
-              <a:spcAft>
-                <a:spcPts val="0"/>
-              </a:spcAft>
-            </a:defPPr>
-            <a:lvl1pPr marR="0" lvl="0" algn="l" rtl="0">
-              <a:lnSpc>
-                <a:spcPct val="100000"/>
-              </a:lnSpc>
-              <a:spcBef>
-                <a:spcPts val="0"/>
-              </a:spcBef>
-              <a:spcAft>
-                <a:spcPts val="0"/>
-              </a:spcAft>
-              <a:buClr>
-                <a:srgbClr val="000000"/>
-              </a:buClr>
-              <a:buFont typeface="Arial"/>
-              <a:defRPr sz="1400" b="0" i="0" u="none" strike="noStrike" cap="none">
-                <a:solidFill>
-                  <a:srgbClr val="000000"/>
-                </a:solidFill>
-                <a:latin typeface="Arial"/>
-                <a:ea typeface="Arial"/>
-                <a:cs typeface="Arial"/>
-                <a:sym typeface="Arial"/>
-              </a:defRPr>
-            </a:lvl1pPr>
-            <a:lvl2pPr marR="0" lvl="1" algn="l" rtl="0">
-              <a:lnSpc>
-                <a:spcPct val="100000"/>
-              </a:lnSpc>
-              <a:spcBef>
-                <a:spcPts val="0"/>
-              </a:spcBef>
-              <a:spcAft>
-                <a:spcPts val="0"/>
-              </a:spcAft>
-              <a:buClr>
-                <a:srgbClr val="000000"/>
-              </a:buClr>
-              <a:buFont typeface="Arial"/>
-              <a:defRPr sz="1400" b="0" i="0" u="none" strike="noStrike" cap="none">
-                <a:solidFill>
-                  <a:srgbClr val="000000"/>
-                </a:solidFill>
-                <a:latin typeface="Arial"/>
-                <a:ea typeface="Arial"/>
-                <a:cs typeface="Arial"/>
-                <a:sym typeface="Arial"/>
-              </a:defRPr>
-            </a:lvl2pPr>
-            <a:lvl3pPr marR="0" lvl="2" algn="l" rtl="0">
-              <a:lnSpc>
-                <a:spcPct val="100000"/>
-              </a:lnSpc>
-              <a:spcBef>
-                <a:spcPts val="0"/>
-              </a:spcBef>
-              <a:spcAft>
-                <a:spcPts val="0"/>
-              </a:spcAft>
-              <a:buClr>
-                <a:srgbClr val="000000"/>
-              </a:buClr>
-              <a:buFont typeface="Arial"/>
-              <a:defRPr sz="1400" b="0" i="0" u="none" strike="noStrike" cap="none">
-                <a:solidFill>
-                  <a:srgbClr val="000000"/>
-                </a:solidFill>
-                <a:latin typeface="Arial"/>
-                <a:ea typeface="Arial"/>
-                <a:cs typeface="Arial"/>
-                <a:sym typeface="Arial"/>
-              </a:defRPr>
-            </a:lvl3pPr>
-            <a:lvl4pPr marR="0" lvl="3" algn="l" rtl="0">
-              <a:lnSpc>
-                <a:spcPct val="100000"/>
-              </a:lnSpc>
-              <a:spcBef>
-                <a:spcPts val="0"/>
-              </a:spcBef>
-              <a:spcAft>
-                <a:spcPts val="0"/>
-              </a:spcAft>
-              <a:buClr>
-                <a:srgbClr val="000000"/>
-              </a:buClr>
-              <a:buFont typeface="Arial"/>
-              <a:defRPr sz="1400" b="0" i="0" u="none" strike="noStrike" cap="none">
-                <a:solidFill>
-                  <a:srgbClr val="000000"/>
-                </a:solidFill>
-                <a:latin typeface="Arial"/>
-                <a:ea typeface="Arial"/>
-                <a:cs typeface="Arial"/>
-                <a:sym typeface="Arial"/>
-              </a:defRPr>
-            </a:lvl4pPr>
-            <a:lvl5pPr marR="0" lvl="4" algn="l" rtl="0">
-              <a:lnSpc>
-                <a:spcPct val="100000"/>
-              </a:lnSpc>
-              <a:spcBef>
-                <a:spcPts val="0"/>
-              </a:spcBef>
-              <a:spcAft>
-                <a:spcPts val="0"/>
-              </a:spcAft>
-              <a:buClr>
-                <a:srgbClr val="000000"/>
-              </a:buClr>
-              <a:buFont typeface="Arial"/>
-              <a:defRPr sz="1400" b="0" i="0" u="none" strike="noStrike" cap="none">
-                <a:solidFill>
-                  <a:srgbClr val="000000"/>
-                </a:solidFill>
-                <a:latin typeface="Arial"/>
-                <a:ea typeface="Arial"/>
-                <a:cs typeface="Arial"/>
-                <a:sym typeface="Arial"/>
-              </a:defRPr>
-            </a:lvl5pPr>
-            <a:lvl6pPr marR="0" lvl="5" algn="l" rtl="0">
-              <a:lnSpc>
-                <a:spcPct val="100000"/>
-              </a:lnSpc>
-              <a:spcBef>
-                <a:spcPts val="0"/>
-              </a:spcBef>
-              <a:spcAft>
-                <a:spcPts val="0"/>
-              </a:spcAft>
-              <a:buClr>
-                <a:srgbClr val="000000"/>
-              </a:buClr>
-              <a:buFont typeface="Arial"/>
-              <a:defRPr sz="1400" b="0" i="0" u="none" strike="noStrike" cap="none">
-                <a:solidFill>
-                  <a:srgbClr val="000000"/>
-                </a:solidFill>
-                <a:latin typeface="Arial"/>
-                <a:ea typeface="Arial"/>
-                <a:cs typeface="Arial"/>
-                <a:sym typeface="Arial"/>
-              </a:defRPr>
-            </a:lvl6pPr>
-            <a:lvl7pPr marR="0" lvl="6" algn="l" rtl="0">
-              <a:lnSpc>
-                <a:spcPct val="100000"/>
-              </a:lnSpc>
-              <a:spcBef>
-                <a:spcPts val="0"/>
-              </a:spcBef>
-              <a:spcAft>
-                <a:spcPts val="0"/>
-              </a:spcAft>
-              <a:buClr>
-                <a:srgbClr val="000000"/>
-              </a:buClr>
-              <a:buFont typeface="Arial"/>
-              <a:defRPr sz="1400" b="0" i="0" u="none" strike="noStrike" cap="none">
-                <a:solidFill>
-                  <a:srgbClr val="000000"/>
-                </a:solidFill>
-                <a:latin typeface="Arial"/>
-                <a:ea typeface="Arial"/>
-                <a:cs typeface="Arial"/>
-                <a:sym typeface="Arial"/>
-              </a:defRPr>
-            </a:lvl7pPr>
-            <a:lvl8pPr marR="0" lvl="7" algn="l" rtl="0">
-              <a:lnSpc>
-                <a:spcPct val="100000"/>
-              </a:lnSpc>
-              <a:spcBef>
-                <a:spcPts val="0"/>
-              </a:spcBef>
-              <a:spcAft>
-                <a:spcPts val="0"/>
-              </a:spcAft>
-              <a:buClr>
-                <a:srgbClr val="000000"/>
-              </a:buClr>
-              <a:buFont typeface="Arial"/>
-              <a:defRPr sz="1400" b="0" i="0" u="none" strike="noStrike" cap="none">
-                <a:solidFill>
-                  <a:srgbClr val="000000"/>
-                </a:solidFill>
-                <a:latin typeface="Arial"/>
-                <a:ea typeface="Arial"/>
-                <a:cs typeface="Arial"/>
-                <a:sym typeface="Arial"/>
-              </a:defRPr>
-            </a:lvl8pPr>
-            <a:lvl9pPr marR="0" lvl="8" algn="l" rtl="0">
-              <a:lnSpc>
-                <a:spcPct val="100000"/>
-              </a:lnSpc>
-              <a:spcBef>
-                <a:spcPts val="0"/>
-              </a:spcBef>
-              <a:spcAft>
-                <a:spcPts val="0"/>
-              </a:spcAft>
-              <a:buClr>
-                <a:srgbClr val="000000"/>
-              </a:buClr>
-              <a:buFont typeface="Arial"/>
-              <a:defRPr sz="1400" b="0" i="0" u="none" strike="noStrike" cap="none">
-                <a:solidFill>
-                  <a:srgbClr val="000000"/>
-                </a:solidFill>
-                <a:latin typeface="Arial"/>
-                <a:ea typeface="Arial"/>
-                <a:cs typeface="Arial"/>
-                <a:sym typeface="Arial"/>
-              </a:defRPr>
-            </a:lvl9pPr>
-          </a:lstStyle>
-          <a:p>
-            <a:r>
-              <a:rPr lang="en-US" sz="4800" dirty="0" smtClean="0">
-                <a:solidFill>
-                  <a:srgbClr val="FF9900"/>
-                </a:solidFill>
-              </a:rPr>
-              <a:t>Text formatting tags</a:t>
-            </a:r>
-            <a:endParaRPr lang="en-US" sz="4800" dirty="0"/>
-          </a:p>
-        </p:txBody>
-      </p:sp>
-    </p:spTree>
-    <p:extLst>
-      <p:ext uri="{BB962C8B-B14F-4D97-AF65-F5344CB8AC3E}">
-        <p14:creationId xmlns:p14="http://schemas.microsoft.com/office/powerpoint/2010/main" val="3890554763"/>
-      </p:ext>
-    </p:extLst>
-  </p:cSld>
-  <p:clrMapOvr>
-    <a:masterClrMapping/>
-  </p:clrMapOvr>
-  <p:timing>
-    <p:tnLst>
-      <p:par>
-        <p:cTn id="1" dur="indefinite" restart="never" nodeType="tmRoot"/>
-      </p:par>
-    </p:tnLst>
-  </p:timing>
-</p:sld>
-</file>
-
-<file path=ppt/slides/slide14.xml><?xml version="1.0" encoding="utf-8"?>
-<p:sld xmlns:a="http://schemas.openxmlformats.org/drawingml/2006/main" xmlns:r="http://schemas.openxmlformats.org/officeDocument/2006/relationships" xmlns:p="http://schemas.openxmlformats.org/presentationml/2006/main">
-  <p:cSld>
-    <p:spTree>
-      <p:nvGrpSpPr>
         <p:cNvPr id="1" name="Shape 142"/>
         <p:cNvGrpSpPr/>
         <p:nvPr/>
@@ -9179,6 +8646,395 @@
     <p:extLst>
       <p:ext uri="{BB962C8B-B14F-4D97-AF65-F5344CB8AC3E}">
         <p14:creationId xmlns:p14="http://schemas.microsoft.com/office/powerpoint/2010/main" val="1844300142"/>
+      </p:ext>
+    </p:extLst>
+  </p:cSld>
+  <p:clrMapOvr>
+    <a:masterClrMapping/>
+  </p:clrMapOvr>
+  <p:timing>
+    <p:tnLst>
+      <p:par>
+        <p:cTn id="1" dur="indefinite" restart="never" nodeType="tmRoot"/>
+      </p:par>
+    </p:tnLst>
+  </p:timing>
+</p:sld>
+</file>
+
+<file path=ppt/slides/slide14.xml><?xml version="1.0" encoding="utf-8"?>
+<p:sld xmlns:a="http://schemas.openxmlformats.org/drawingml/2006/main" xmlns:r="http://schemas.openxmlformats.org/officeDocument/2006/relationships" xmlns:p="http://schemas.openxmlformats.org/presentationml/2006/main">
+  <p:cSld>
+    <p:spTree>
+      <p:nvGrpSpPr>
+        <p:cNvPr id="1" name=""/>
+        <p:cNvGrpSpPr/>
+        <p:nvPr/>
+      </p:nvGrpSpPr>
+      <p:grpSpPr>
+        <a:xfrm>
+          <a:off x="0" y="0"/>
+          <a:ext cx="0" cy="0"/>
+          <a:chOff x="0" y="0"/>
+          <a:chExt cx="0" cy="0"/>
+        </a:xfrm>
+      </p:grpSpPr>
+      <p:sp>
+        <p:nvSpPr>
+          <p:cNvPr id="3" name="Google Shape;131;p20"/>
+          <p:cNvSpPr txBox="1"/>
+          <p:nvPr/>
+        </p:nvSpPr>
+        <p:spPr>
+          <a:xfrm>
+            <a:off x="473940" y="1109225"/>
+            <a:ext cx="4572000" cy="3831075"/>
+          </a:xfrm>
+          <a:prstGeom prst="rect">
+            <a:avLst/>
+          </a:prstGeom>
+          <a:noFill/>
+          <a:ln>
+            <a:noFill/>
+          </a:ln>
+        </p:spPr>
+        <p:txBody>
+          <a:bodyPr spcFirstLastPara="1" wrap="square" lIns="91425" tIns="91425" rIns="91425" bIns="91425" anchor="t" anchorCtr="0">
+            <a:noAutofit/>
+          </a:bodyPr>
+          <a:lstStyle/>
+          <a:p>
+            <a:pPr lvl="0" rtl="0">
+              <a:spcBef>
+                <a:spcPts val="0"/>
+              </a:spcBef>
+              <a:spcAft>
+                <a:spcPts val="0"/>
+              </a:spcAft>
+            </a:pPr>
+            <a:r>
+              <a:rPr lang="en-US" sz="2800" b="1" dirty="0" smtClean="0">
+                <a:solidFill>
+                  <a:srgbClr val="FFFFFF"/>
+                </a:solidFill>
+                <a:latin typeface="Raleway SemiBold"/>
+                <a:ea typeface="Raleway SemiBold"/>
+                <a:cs typeface="Raleway SemiBold"/>
+                <a:sym typeface="Raleway SemiBold"/>
+              </a:rPr>
+              <a:t>Focus</a:t>
+            </a:r>
+          </a:p>
+          <a:p>
+            <a:pPr lvl="0" rtl="0">
+              <a:spcBef>
+                <a:spcPts val="0"/>
+              </a:spcBef>
+              <a:spcAft>
+                <a:spcPts val="0"/>
+              </a:spcAft>
+            </a:pPr>
+            <a:r>
+              <a:rPr lang="en-US" sz="2800" b="1" dirty="0" smtClean="0">
+                <a:solidFill>
+                  <a:srgbClr val="FFFFFF"/>
+                </a:solidFill>
+                <a:latin typeface="Raleway SemiBold"/>
+                <a:ea typeface="Raleway SemiBold"/>
+                <a:cs typeface="Raleway SemiBold"/>
+                <a:sym typeface="Raleway SemiBold"/>
+              </a:rPr>
+              <a:t>Checkbox label</a:t>
+            </a:r>
+          </a:p>
+          <a:p>
+            <a:pPr lvl="0" rtl="0">
+              <a:spcBef>
+                <a:spcPts val="0"/>
+              </a:spcBef>
+              <a:spcAft>
+                <a:spcPts val="0"/>
+              </a:spcAft>
+            </a:pPr>
+            <a:endParaRPr sz="2800" b="1" dirty="0">
+              <a:solidFill>
+                <a:srgbClr val="FFFFFF"/>
+              </a:solidFill>
+              <a:latin typeface="Raleway SemiBold"/>
+              <a:ea typeface="Raleway SemiBold"/>
+              <a:cs typeface="Raleway SemiBold"/>
+              <a:sym typeface="Raleway SemiBold"/>
+            </a:endParaRPr>
+          </a:p>
+        </p:txBody>
+      </p:sp>
+      <p:sp>
+        <p:nvSpPr>
+          <p:cNvPr id="4" name="Google Shape;93;p16"/>
+          <p:cNvSpPr txBox="1">
+            <a:spLocks/>
+          </p:cNvSpPr>
+          <p:nvPr/>
+        </p:nvSpPr>
+        <p:spPr>
+          <a:xfrm>
+            <a:off x="283100" y="178750"/>
+            <a:ext cx="8631600" cy="930475"/>
+          </a:xfrm>
+          <a:prstGeom prst="rect">
+            <a:avLst/>
+          </a:prstGeom>
+        </p:spPr>
+        <p:txBody>
+          <a:bodyPr spcFirstLastPara="1" wrap="square" lIns="91425" tIns="91425" rIns="91425" bIns="91425" anchor="t" anchorCtr="0">
+            <a:noAutofit/>
+          </a:bodyPr>
+          <a:lstStyle>
+            <a:defPPr marR="0" lvl="0" algn="l" rtl="0">
+              <a:lnSpc>
+                <a:spcPct val="100000"/>
+              </a:lnSpc>
+              <a:spcBef>
+                <a:spcPts val="0"/>
+              </a:spcBef>
+              <a:spcAft>
+                <a:spcPts val="0"/>
+              </a:spcAft>
+            </a:defPPr>
+            <a:lvl1pPr marR="0" lvl="0" algn="l" rtl="0">
+              <a:lnSpc>
+                <a:spcPct val="100000"/>
+              </a:lnSpc>
+              <a:spcBef>
+                <a:spcPts val="0"/>
+              </a:spcBef>
+              <a:spcAft>
+                <a:spcPts val="0"/>
+              </a:spcAft>
+              <a:buClr>
+                <a:srgbClr val="000000"/>
+              </a:buClr>
+              <a:buFont typeface="Arial"/>
+              <a:defRPr sz="1400" b="0" i="0" u="none" strike="noStrike" cap="none">
+                <a:solidFill>
+                  <a:srgbClr val="000000"/>
+                </a:solidFill>
+                <a:latin typeface="Arial"/>
+                <a:ea typeface="Arial"/>
+                <a:cs typeface="Arial"/>
+                <a:sym typeface="Arial"/>
+              </a:defRPr>
+            </a:lvl1pPr>
+            <a:lvl2pPr marR="0" lvl="1" algn="l" rtl="0">
+              <a:lnSpc>
+                <a:spcPct val="100000"/>
+              </a:lnSpc>
+              <a:spcBef>
+                <a:spcPts val="0"/>
+              </a:spcBef>
+              <a:spcAft>
+                <a:spcPts val="0"/>
+              </a:spcAft>
+              <a:buClr>
+                <a:srgbClr val="000000"/>
+              </a:buClr>
+              <a:buFont typeface="Arial"/>
+              <a:defRPr sz="1400" b="0" i="0" u="none" strike="noStrike" cap="none">
+                <a:solidFill>
+                  <a:srgbClr val="000000"/>
+                </a:solidFill>
+                <a:latin typeface="Arial"/>
+                <a:ea typeface="Arial"/>
+                <a:cs typeface="Arial"/>
+                <a:sym typeface="Arial"/>
+              </a:defRPr>
+            </a:lvl2pPr>
+            <a:lvl3pPr marR="0" lvl="2" algn="l" rtl="0">
+              <a:lnSpc>
+                <a:spcPct val="100000"/>
+              </a:lnSpc>
+              <a:spcBef>
+                <a:spcPts val="0"/>
+              </a:spcBef>
+              <a:spcAft>
+                <a:spcPts val="0"/>
+              </a:spcAft>
+              <a:buClr>
+                <a:srgbClr val="000000"/>
+              </a:buClr>
+              <a:buFont typeface="Arial"/>
+              <a:defRPr sz="1400" b="0" i="0" u="none" strike="noStrike" cap="none">
+                <a:solidFill>
+                  <a:srgbClr val="000000"/>
+                </a:solidFill>
+                <a:latin typeface="Arial"/>
+                <a:ea typeface="Arial"/>
+                <a:cs typeface="Arial"/>
+                <a:sym typeface="Arial"/>
+              </a:defRPr>
+            </a:lvl3pPr>
+            <a:lvl4pPr marR="0" lvl="3" algn="l" rtl="0">
+              <a:lnSpc>
+                <a:spcPct val="100000"/>
+              </a:lnSpc>
+              <a:spcBef>
+                <a:spcPts val="0"/>
+              </a:spcBef>
+              <a:spcAft>
+                <a:spcPts val="0"/>
+              </a:spcAft>
+              <a:buClr>
+                <a:srgbClr val="000000"/>
+              </a:buClr>
+              <a:buFont typeface="Arial"/>
+              <a:defRPr sz="1400" b="0" i="0" u="none" strike="noStrike" cap="none">
+                <a:solidFill>
+                  <a:srgbClr val="000000"/>
+                </a:solidFill>
+                <a:latin typeface="Arial"/>
+                <a:ea typeface="Arial"/>
+                <a:cs typeface="Arial"/>
+                <a:sym typeface="Arial"/>
+              </a:defRPr>
+            </a:lvl4pPr>
+            <a:lvl5pPr marR="0" lvl="4" algn="l" rtl="0">
+              <a:lnSpc>
+                <a:spcPct val="100000"/>
+              </a:lnSpc>
+              <a:spcBef>
+                <a:spcPts val="0"/>
+              </a:spcBef>
+              <a:spcAft>
+                <a:spcPts val="0"/>
+              </a:spcAft>
+              <a:buClr>
+                <a:srgbClr val="000000"/>
+              </a:buClr>
+              <a:buFont typeface="Arial"/>
+              <a:defRPr sz="1400" b="0" i="0" u="none" strike="noStrike" cap="none">
+                <a:solidFill>
+                  <a:srgbClr val="000000"/>
+                </a:solidFill>
+                <a:latin typeface="Arial"/>
+                <a:ea typeface="Arial"/>
+                <a:cs typeface="Arial"/>
+                <a:sym typeface="Arial"/>
+              </a:defRPr>
+            </a:lvl5pPr>
+            <a:lvl6pPr marR="0" lvl="5" algn="l" rtl="0">
+              <a:lnSpc>
+                <a:spcPct val="100000"/>
+              </a:lnSpc>
+              <a:spcBef>
+                <a:spcPts val="0"/>
+              </a:spcBef>
+              <a:spcAft>
+                <a:spcPts val="0"/>
+              </a:spcAft>
+              <a:buClr>
+                <a:srgbClr val="000000"/>
+              </a:buClr>
+              <a:buFont typeface="Arial"/>
+              <a:defRPr sz="1400" b="0" i="0" u="none" strike="noStrike" cap="none">
+                <a:solidFill>
+                  <a:srgbClr val="000000"/>
+                </a:solidFill>
+                <a:latin typeface="Arial"/>
+                <a:ea typeface="Arial"/>
+                <a:cs typeface="Arial"/>
+                <a:sym typeface="Arial"/>
+              </a:defRPr>
+            </a:lvl6pPr>
+            <a:lvl7pPr marR="0" lvl="6" algn="l" rtl="0">
+              <a:lnSpc>
+                <a:spcPct val="100000"/>
+              </a:lnSpc>
+              <a:spcBef>
+                <a:spcPts val="0"/>
+              </a:spcBef>
+              <a:spcAft>
+                <a:spcPts val="0"/>
+              </a:spcAft>
+              <a:buClr>
+                <a:srgbClr val="000000"/>
+              </a:buClr>
+              <a:buFont typeface="Arial"/>
+              <a:defRPr sz="1400" b="0" i="0" u="none" strike="noStrike" cap="none">
+                <a:solidFill>
+                  <a:srgbClr val="000000"/>
+                </a:solidFill>
+                <a:latin typeface="Arial"/>
+                <a:ea typeface="Arial"/>
+                <a:cs typeface="Arial"/>
+                <a:sym typeface="Arial"/>
+              </a:defRPr>
+            </a:lvl7pPr>
+            <a:lvl8pPr marR="0" lvl="7" algn="l" rtl="0">
+              <a:lnSpc>
+                <a:spcPct val="100000"/>
+              </a:lnSpc>
+              <a:spcBef>
+                <a:spcPts val="0"/>
+              </a:spcBef>
+              <a:spcAft>
+                <a:spcPts val="0"/>
+              </a:spcAft>
+              <a:buClr>
+                <a:srgbClr val="000000"/>
+              </a:buClr>
+              <a:buFont typeface="Arial"/>
+              <a:defRPr sz="1400" b="0" i="0" u="none" strike="noStrike" cap="none">
+                <a:solidFill>
+                  <a:srgbClr val="000000"/>
+                </a:solidFill>
+                <a:latin typeface="Arial"/>
+                <a:ea typeface="Arial"/>
+                <a:cs typeface="Arial"/>
+                <a:sym typeface="Arial"/>
+              </a:defRPr>
+            </a:lvl8pPr>
+            <a:lvl9pPr marR="0" lvl="8" algn="l" rtl="0">
+              <a:lnSpc>
+                <a:spcPct val="100000"/>
+              </a:lnSpc>
+              <a:spcBef>
+                <a:spcPts val="0"/>
+              </a:spcBef>
+              <a:spcAft>
+                <a:spcPts val="0"/>
+              </a:spcAft>
+              <a:buClr>
+                <a:srgbClr val="000000"/>
+              </a:buClr>
+              <a:buFont typeface="Arial"/>
+              <a:defRPr sz="1400" b="0" i="0" u="none" strike="noStrike" cap="none">
+                <a:solidFill>
+                  <a:srgbClr val="000000"/>
+                </a:solidFill>
+                <a:latin typeface="Arial"/>
+                <a:ea typeface="Arial"/>
+                <a:cs typeface="Arial"/>
+                <a:sym typeface="Arial"/>
+              </a:defRPr>
+            </a:lvl9pPr>
+          </a:lstStyle>
+          <a:p>
+            <a:r>
+              <a:rPr lang="en-US" sz="4800" dirty="0" smtClean="0">
+                <a:solidFill>
+                  <a:srgbClr val="FF9900"/>
+                </a:solidFill>
+              </a:rPr>
+              <a:t>CSS for forms</a:t>
+            </a:r>
+            <a:endParaRPr lang="en-US" sz="4800" dirty="0"/>
+          </a:p>
+        </p:txBody>
+      </p:sp>
+    </p:spTree>
+    <p:extLst>
+      <p:ext uri="{BB962C8B-B14F-4D97-AF65-F5344CB8AC3E}">
+        <p14:creationId xmlns:p14="http://schemas.microsoft.com/office/powerpoint/2010/main" val="3890554763"/>
       </p:ext>
     </p:extLst>
   </p:cSld>
@@ -9401,63 +9257,6 @@
       </p:grpSpPr>
       <p:sp>
         <p:nvSpPr>
-          <p:cNvPr id="3" name="Google Shape;131;p20"/>
-          <p:cNvSpPr txBox="1"/>
-          <p:nvPr/>
-        </p:nvSpPr>
-        <p:spPr>
-          <a:xfrm>
-            <a:off x="473939" y="1109225"/>
-            <a:ext cx="8151445" cy="3831075"/>
-          </a:xfrm>
-          <a:prstGeom prst="rect">
-            <a:avLst/>
-          </a:prstGeom>
-          <a:noFill/>
-          <a:ln>
-            <a:noFill/>
-          </a:ln>
-        </p:spPr>
-        <p:txBody>
-          <a:bodyPr spcFirstLastPara="1" wrap="square" lIns="91425" tIns="91425" rIns="91425" bIns="91425" anchor="t" anchorCtr="0">
-            <a:noAutofit/>
-          </a:bodyPr>
-          <a:lstStyle/>
-          <a:p>
-            <a:pPr lvl="0" rtl="0">
-              <a:spcBef>
-                <a:spcPts val="0"/>
-              </a:spcBef>
-              <a:spcAft>
-                <a:spcPts val="0"/>
-              </a:spcAft>
-            </a:pPr>
-            <a:r>
-              <a:rPr lang="en-US" sz="2800" b="1" dirty="0" smtClean="0">
-                <a:solidFill>
-                  <a:schemeClr val="tx1"/>
-                </a:solidFill>
-                <a:latin typeface="Raleway SemiBold"/>
-                <a:ea typeface="Raleway SemiBold"/>
-                <a:cs typeface="Raleway SemiBold"/>
-                <a:sym typeface="Raleway SemiBold"/>
-              </a:rPr>
-              <a:t>Attributes are properties of an element each tag has it’s own special set of attributes, you can also define custom attributes for your tags</a:t>
-            </a:r>
-            <a:endParaRPr sz="2800" b="1" dirty="0">
-              <a:solidFill>
-                <a:schemeClr val="tx1"/>
-              </a:solidFill>
-              <a:latin typeface="Raleway SemiBold"/>
-              <a:ea typeface="Raleway SemiBold"/>
-              <a:cs typeface="Raleway SemiBold"/>
-              <a:sym typeface="Raleway SemiBold"/>
-            </a:endParaRPr>
-          </a:p>
-        </p:txBody>
-      </p:sp>
-      <p:sp>
-        <p:nvSpPr>
           <p:cNvPr id="4" name="Google Shape;93;p16"/>
           <p:cNvSpPr txBox="1">
             <a:spLocks/>
@@ -9713,7 +9512,7 @@
                   <a:srgbClr val="FF9900"/>
                 </a:solidFill>
               </a:rPr>
-              <a:t>Attributes</a:t>
+              <a:t>CSS gradients</a:t>
             </a:r>
             <a:endParaRPr lang="en-US" sz="4800" dirty="0"/>
           </a:p>
@@ -9727,8 +9526,8 @@
         </p:nvSpPr>
         <p:spPr>
           <a:xfrm>
-            <a:off x="448929" y="2599169"/>
-            <a:ext cx="8151445" cy="1415081"/>
+            <a:off x="299303" y="1113902"/>
+            <a:ext cx="8151445" cy="3757353"/>
           </a:xfrm>
           <a:prstGeom prst="rect">
             <a:avLst/>
@@ -9757,68 +9556,142 @@
               </a:spcAft>
             </a:pPr>
             <a:r>
-              <a:rPr lang="en-US" sz="2800" b="1" dirty="0" smtClean="0">
+              <a:rPr lang="en-US" sz="2800" b="1" dirty="0" err="1" smtClean="0">
                 <a:solidFill>
                   <a:srgbClr val="92D050"/>
                 </a:solidFill>
-                <a:latin typeface="Raleway SemiBold"/>
+                <a:latin typeface="Arial Black" pitchFamily="34" charset="0"/>
                 <a:ea typeface="Raleway SemiBold"/>
                 <a:cs typeface="Raleway SemiBold"/>
                 <a:sym typeface="Raleway SemiBold"/>
               </a:rPr>
-              <a:t>&lt;html </a:t>
-            </a:r>
-            <a:r>
-              <a:rPr lang="en-US" sz="2800" b="1" dirty="0" err="1" smtClean="0">
+              <a:t>Div</a:t>
+            </a:r>
+            <a:r>
+              <a:rPr lang="en-US" sz="2800" b="1" dirty="0" smtClean="0">
                 <a:solidFill>
                   <a:srgbClr val="92D050"/>
                 </a:solidFill>
-                <a:latin typeface="Raleway SemiBold"/>
+                <a:latin typeface="Arial Black" pitchFamily="34" charset="0"/>
                 <a:ea typeface="Raleway SemiBold"/>
                 <a:cs typeface="Raleway SemiBold"/>
                 <a:sym typeface="Raleway SemiBold"/>
               </a:rPr>
-              <a:t>lang</a:t>
-            </a:r>
-            <a:r>
-              <a:rPr lang="en-US" sz="2800" b="1" dirty="0" smtClean="0">
+              <a:t>{</a:t>
+            </a:r>
+          </a:p>
+          <a:p>
+            <a:pPr lvl="0"/>
+            <a:r>
+              <a:rPr lang="en-US" sz="2800" b="1" dirty="0">
                 <a:solidFill>
                   <a:srgbClr val="92D050"/>
                 </a:solidFill>
-                <a:latin typeface="Raleway SemiBold"/>
+                <a:latin typeface="Arial Black" pitchFamily="34" charset="0"/>
                 <a:ea typeface="Raleway SemiBold"/>
                 <a:cs typeface="Raleway SemiBold"/>
                 <a:sym typeface="Raleway SemiBold"/>
               </a:rPr>
-              <a:t>=“en-US”&gt;&lt;/html&gt;</a:t>
-            </a:r>
-          </a:p>
-          <a:p>
-            <a:pPr lvl="0" rtl="0">
-              <a:spcBef>
-                <a:spcPts val="0"/>
-              </a:spcBef>
-              <a:spcAft>
-                <a:spcPts val="0"/>
-              </a:spcAft>
-            </a:pPr>
-            <a:r>
-              <a:rPr lang="en-US" sz="2800" b="1" dirty="0" smtClean="0">
+              <a:t>background: #230A91;</a:t>
+            </a:r>
+          </a:p>
+          <a:p>
+            <a:pPr lvl="0"/>
+            <a:r>
+              <a:rPr lang="en-US" sz="2800" b="1" dirty="0">
                 <a:solidFill>
                   <a:srgbClr val="92D050"/>
                 </a:solidFill>
-                <a:latin typeface="Raleway SemiBold"/>
+                <a:latin typeface="Arial Black" pitchFamily="34" charset="0"/>
                 <a:ea typeface="Raleway SemiBold"/>
                 <a:cs typeface="Raleway SemiBold"/>
                 <a:sym typeface="Raleway SemiBold"/>
               </a:rPr>
-              <a:t>&lt;p title=“this has a title”&gt;&lt;/p&gt;</a:t>
+              <a:t>background: -</a:t>
+            </a:r>
+            <a:r>
+              <a:rPr lang="en-US" sz="2800" b="1" dirty="0" err="1">
+                <a:solidFill>
+                  <a:srgbClr val="92D050"/>
+                </a:solidFill>
+                <a:latin typeface="Arial Black" pitchFamily="34" charset="0"/>
+                <a:ea typeface="Raleway SemiBold"/>
+                <a:cs typeface="Raleway SemiBold"/>
+                <a:sym typeface="Raleway SemiBold"/>
+              </a:rPr>
+              <a:t>webkit</a:t>
+            </a:r>
+            <a:r>
+              <a:rPr lang="en-US" sz="2800" b="1" dirty="0">
+                <a:solidFill>
+                  <a:srgbClr val="92D050"/>
+                </a:solidFill>
+                <a:latin typeface="Arial Black" pitchFamily="34" charset="0"/>
+                <a:ea typeface="Raleway SemiBold"/>
+                <a:cs typeface="Raleway SemiBold"/>
+                <a:sym typeface="Raleway SemiBold"/>
+              </a:rPr>
+              <a:t>-linear-gradient(top left, #230A91, #D98A7D);</a:t>
+            </a:r>
+          </a:p>
+          <a:p>
+            <a:pPr lvl="0"/>
+            <a:r>
+              <a:rPr lang="en-US" sz="2800" b="1" dirty="0">
+                <a:solidFill>
+                  <a:srgbClr val="92D050"/>
+                </a:solidFill>
+                <a:latin typeface="Arial Black" pitchFamily="34" charset="0"/>
+                <a:ea typeface="Raleway SemiBold"/>
+                <a:cs typeface="Raleway SemiBold"/>
+                <a:sym typeface="Raleway SemiBold"/>
+              </a:rPr>
+              <a:t>background: -</a:t>
+            </a:r>
+            <a:r>
+              <a:rPr lang="en-US" sz="2800" b="1" dirty="0" err="1">
+                <a:solidFill>
+                  <a:srgbClr val="92D050"/>
+                </a:solidFill>
+                <a:latin typeface="Arial Black" pitchFamily="34" charset="0"/>
+                <a:ea typeface="Raleway SemiBold"/>
+                <a:cs typeface="Raleway SemiBold"/>
+                <a:sym typeface="Raleway SemiBold"/>
+              </a:rPr>
+              <a:t>moz</a:t>
+            </a:r>
+            <a:r>
+              <a:rPr lang="en-US" sz="2800" b="1" dirty="0">
+                <a:solidFill>
+                  <a:srgbClr val="92D050"/>
+                </a:solidFill>
+                <a:latin typeface="Arial Black" pitchFamily="34" charset="0"/>
+                <a:ea typeface="Raleway SemiBold"/>
+                <a:cs typeface="Raleway SemiBold"/>
+                <a:sym typeface="Raleway SemiBold"/>
+              </a:rPr>
+              <a:t>-linear-gradient(top left, #230A91, #D98A7D);</a:t>
+            </a:r>
+          </a:p>
+          <a:p>
+            <a:pPr lvl="0"/>
+            <a:r>
+              <a:rPr lang="en-US" sz="2800" b="1" dirty="0">
+                <a:solidFill>
+                  <a:srgbClr val="92D050"/>
+                </a:solidFill>
+                <a:latin typeface="Arial Black" pitchFamily="34" charset="0"/>
+                <a:ea typeface="Raleway SemiBold"/>
+                <a:cs typeface="Raleway SemiBold"/>
+                <a:sym typeface="Raleway SemiBold"/>
+              </a:rPr>
+              <a:t>background: linear-gradient(to bottom right, #230A91, #D98A7D);}</a:t>
             </a:r>
             <a:endParaRPr sz="2800" b="1" dirty="0">
               <a:solidFill>
                 <a:srgbClr val="92D050"/>
               </a:solidFill>
-              <a:latin typeface="Raleway SemiBold"/>
+              <a:latin typeface="Arial Black" pitchFamily="34" charset="0"/>
               <a:ea typeface="Raleway SemiBold"/>
               <a:cs typeface="Raleway SemiBold"/>
               <a:sym typeface="Raleway SemiBold"/>
